--- a/docs/samples/logo.pptx
+++ b/docs/samples/logo.pptx
@@ -104,6 +104,11 @@
       </a:defRPr>
     </a:lvl9pPr>
   </p:defaultTextStyle>
+  <p:extLst>
+    <p:ext uri="{EFAFB233-063F-42B5-8137-9DF3F51BA10A}">
+      <p15:sldGuideLst xmlns:p15="http://schemas.microsoft.com/office/powerpoint/2012/main"/>
+    </p:ext>
+  </p:extLst>
 </p:presentation>
 </file>
 
@@ -3583,13 +3588,13 @@
         </p:nvPicPr>
         <p:blipFill rotWithShape="1">
           <a:blip r:embed="rId2"/>
-          <a:srcRect l="13486" t="17185" r="9191" b="9841"/>
+          <a:srcRect l="16366" t="17185" r="9191" b="9841"/>
           <a:stretch/>
         </p:blipFill>
         <p:spPr>
           <a:xfrm>
-            <a:off x="6005385" y="3830595"/>
-            <a:ext cx="1750800" cy="1006710"/>
+            <a:off x="6070599" y="3830595"/>
+            <a:ext cx="1685585" cy="1006710"/>
           </a:xfrm>
           <a:prstGeom prst="rect">
             <a:avLst/>

--- a/docs/samples/logo.pptx
+++ b/docs/samples/logo.pptx
@@ -6,6 +6,7 @@
   </p:sldMasterIdLst>
   <p:sldIdLst>
     <p:sldId id="256" r:id="rId2"/>
+    <p:sldId id="257" r:id="rId3"/>
   </p:sldIdLst>
   <p:sldSz cx="12192000" cy="6858000"/>
   <p:notesSz cx="6858000" cy="9144000"/>
@@ -259,7 +260,7 @@
           <a:p>
             <a:fld id="{13EB14AC-9329-8945-AD09-1CC618D7BB1C}" type="datetimeFigureOut">
               <a:rPr lang="en-US" smtClean="0"/>
-              <a:t>2/2/19</a:t>
+              <a:t>2/23/19</a:t>
             </a:fld>
             <a:endParaRPr lang="en-US"/>
           </a:p>
@@ -457,7 +458,7 @@
           <a:p>
             <a:fld id="{13EB14AC-9329-8945-AD09-1CC618D7BB1C}" type="datetimeFigureOut">
               <a:rPr lang="en-US" smtClean="0"/>
-              <a:t>2/2/19</a:t>
+              <a:t>2/23/19</a:t>
             </a:fld>
             <a:endParaRPr lang="en-US"/>
           </a:p>
@@ -665,7 +666,7 @@
           <a:p>
             <a:fld id="{13EB14AC-9329-8945-AD09-1CC618D7BB1C}" type="datetimeFigureOut">
               <a:rPr lang="en-US" smtClean="0"/>
-              <a:t>2/2/19</a:t>
+              <a:t>2/23/19</a:t>
             </a:fld>
             <a:endParaRPr lang="en-US"/>
           </a:p>
@@ -863,7 +864,7 @@
           <a:p>
             <a:fld id="{13EB14AC-9329-8945-AD09-1CC618D7BB1C}" type="datetimeFigureOut">
               <a:rPr lang="en-US" smtClean="0"/>
-              <a:t>2/2/19</a:t>
+              <a:t>2/23/19</a:t>
             </a:fld>
             <a:endParaRPr lang="en-US"/>
           </a:p>
@@ -1138,7 +1139,7 @@
           <a:p>
             <a:fld id="{13EB14AC-9329-8945-AD09-1CC618D7BB1C}" type="datetimeFigureOut">
               <a:rPr lang="en-US" smtClean="0"/>
-              <a:t>2/2/19</a:t>
+              <a:t>2/23/19</a:t>
             </a:fld>
             <a:endParaRPr lang="en-US"/>
           </a:p>
@@ -1403,7 +1404,7 @@
           <a:p>
             <a:fld id="{13EB14AC-9329-8945-AD09-1CC618D7BB1C}" type="datetimeFigureOut">
               <a:rPr lang="en-US" smtClean="0"/>
-              <a:t>2/2/19</a:t>
+              <a:t>2/23/19</a:t>
             </a:fld>
             <a:endParaRPr lang="en-US"/>
           </a:p>
@@ -1815,7 +1816,7 @@
           <a:p>
             <a:fld id="{13EB14AC-9329-8945-AD09-1CC618D7BB1C}" type="datetimeFigureOut">
               <a:rPr lang="en-US" smtClean="0"/>
-              <a:t>2/2/19</a:t>
+              <a:t>2/23/19</a:t>
             </a:fld>
             <a:endParaRPr lang="en-US"/>
           </a:p>
@@ -1956,7 +1957,7 @@
           <a:p>
             <a:fld id="{13EB14AC-9329-8945-AD09-1CC618D7BB1C}" type="datetimeFigureOut">
               <a:rPr lang="en-US" smtClean="0"/>
-              <a:t>2/2/19</a:t>
+              <a:t>2/23/19</a:t>
             </a:fld>
             <a:endParaRPr lang="en-US"/>
           </a:p>
@@ -2069,7 +2070,7 @@
           <a:p>
             <a:fld id="{13EB14AC-9329-8945-AD09-1CC618D7BB1C}" type="datetimeFigureOut">
               <a:rPr lang="en-US" smtClean="0"/>
-              <a:t>2/2/19</a:t>
+              <a:t>2/23/19</a:t>
             </a:fld>
             <a:endParaRPr lang="en-US"/>
           </a:p>
@@ -2380,7 +2381,7 @@
           <a:p>
             <a:fld id="{13EB14AC-9329-8945-AD09-1CC618D7BB1C}" type="datetimeFigureOut">
               <a:rPr lang="en-US" smtClean="0"/>
-              <a:t>2/2/19</a:t>
+              <a:t>2/23/19</a:t>
             </a:fld>
             <a:endParaRPr lang="en-US"/>
           </a:p>
@@ -2668,7 +2669,7 @@
           <a:p>
             <a:fld id="{13EB14AC-9329-8945-AD09-1CC618D7BB1C}" type="datetimeFigureOut">
               <a:rPr lang="en-US" smtClean="0"/>
-              <a:t>2/2/19</a:t>
+              <a:t>2/23/19</a:t>
             </a:fld>
             <a:endParaRPr lang="en-US"/>
           </a:p>
@@ -2909,7 +2910,7 @@
           <a:p>
             <a:fld id="{13EB14AC-9329-8945-AD09-1CC618D7BB1C}" type="datetimeFigureOut">
               <a:rPr lang="en-US" smtClean="0"/>
-              <a:t>2/2/19</a:t>
+              <a:t>2/23/19</a:t>
             </a:fld>
             <a:endParaRPr lang="en-US"/>
           </a:p>
@@ -3614,6 +3615,344 @@
 </p:sld>
 </file>
 
+<file path=ppt/slides/slide2.xml><?xml version="1.0" encoding="utf-8"?>
+<p:sld xmlns:a="http://schemas.openxmlformats.org/drawingml/2006/main" xmlns:r="http://schemas.openxmlformats.org/officeDocument/2006/relationships" xmlns:p="http://schemas.openxmlformats.org/presentationml/2006/main">
+  <p:cSld>
+    <p:spTree>
+      <p:nvGrpSpPr>
+        <p:cNvPr id="1" name=""/>
+        <p:cNvGrpSpPr/>
+        <p:nvPr/>
+      </p:nvGrpSpPr>
+      <p:grpSpPr>
+        <a:xfrm>
+          <a:off x="0" y="0"/>
+          <a:ext cx="0" cy="0"/>
+          <a:chOff x="0" y="0"/>
+          <a:chExt cx="0" cy="0"/>
+        </a:xfrm>
+      </p:grpSpPr>
+      <p:grpSp>
+        <p:nvGrpSpPr>
+          <p:cNvPr id="19" name="Group 18">
+            <a:extLst>
+              <a:ext uri="{FF2B5EF4-FFF2-40B4-BE49-F238E27FC236}">
+                <a16:creationId xmlns:a16="http://schemas.microsoft.com/office/drawing/2014/main" id="{53703122-BFDE-2249-A415-E87D3B0AC221}"/>
+              </a:ext>
+            </a:extLst>
+          </p:cNvPr>
+          <p:cNvGrpSpPr/>
+          <p:nvPr/>
+        </p:nvGrpSpPr>
+        <p:grpSpPr>
+          <a:xfrm>
+            <a:off x="3426372" y="1555531"/>
+            <a:ext cx="2942897" cy="1783451"/>
+            <a:chOff x="3426372" y="1555531"/>
+            <a:chExt cx="2942897" cy="1783451"/>
+          </a:xfrm>
+        </p:grpSpPr>
+        <p:sp>
+          <p:nvSpPr>
+            <p:cNvPr id="8" name="Rectangle 7">
+              <a:extLst>
+                <a:ext uri="{FF2B5EF4-FFF2-40B4-BE49-F238E27FC236}">
+                  <a16:creationId xmlns:a16="http://schemas.microsoft.com/office/drawing/2014/main" id="{76D571C3-8BC1-ED48-A2FC-17506CBA40FF}"/>
+                </a:ext>
+              </a:extLst>
+            </p:cNvPr>
+            <p:cNvSpPr/>
+            <p:nvPr/>
+          </p:nvSpPr>
+          <p:spPr>
+            <a:xfrm>
+              <a:off x="3426372" y="1680519"/>
+              <a:ext cx="2942897" cy="1658463"/>
+            </a:xfrm>
+            <a:prstGeom prst="rect">
+              <a:avLst/>
+            </a:prstGeom>
+            <a:solidFill>
+              <a:srgbClr val="2C2C2B"/>
+            </a:solidFill>
+          </p:spPr>
+          <p:style>
+            <a:lnRef idx="2">
+              <a:schemeClr val="dk1">
+                <a:shade val="50000"/>
+              </a:schemeClr>
+            </a:lnRef>
+            <a:fillRef idx="1">
+              <a:schemeClr val="dk1"/>
+            </a:fillRef>
+            <a:effectRef idx="0">
+              <a:schemeClr val="dk1"/>
+            </a:effectRef>
+            <a:fontRef idx="minor">
+              <a:schemeClr val="lt1"/>
+            </a:fontRef>
+          </p:style>
+          <p:txBody>
+            <a:bodyPr rtlCol="0" anchor="ctr"/>
+            <a:lstStyle/>
+            <a:p>
+              <a:pPr algn="ctr"/>
+              <a:endParaRPr lang="en-US"/>
+            </a:p>
+          </p:txBody>
+        </p:sp>
+        <p:sp>
+          <p:nvSpPr>
+            <p:cNvPr id="14" name="Rectangle 13">
+              <a:extLst>
+                <a:ext uri="{FF2B5EF4-FFF2-40B4-BE49-F238E27FC236}">
+                  <a16:creationId xmlns:a16="http://schemas.microsoft.com/office/drawing/2014/main" id="{E5B4719F-CEB8-654B-B311-373F3E8ECB19}"/>
+                </a:ext>
+              </a:extLst>
+            </p:cNvPr>
+            <p:cNvSpPr/>
+            <p:nvPr/>
+          </p:nvSpPr>
+          <p:spPr>
+            <a:xfrm>
+              <a:off x="3537872" y="1806643"/>
+              <a:ext cx="2715808" cy="1179204"/>
+            </a:xfrm>
+            <a:prstGeom prst="rect">
+              <a:avLst/>
+            </a:prstGeom>
+            <a:solidFill>
+              <a:schemeClr val="bg1">
+                <a:lumMod val="95000"/>
+              </a:schemeClr>
+            </a:solidFill>
+            <a:ln w="38100">
+              <a:noFill/>
+            </a:ln>
+          </p:spPr>
+          <p:style>
+            <a:lnRef idx="2">
+              <a:schemeClr val="accent1">
+                <a:shade val="50000"/>
+              </a:schemeClr>
+            </a:lnRef>
+            <a:fillRef idx="1">
+              <a:schemeClr val="accent1"/>
+            </a:fillRef>
+            <a:effectRef idx="0">
+              <a:schemeClr val="accent1"/>
+            </a:effectRef>
+            <a:fontRef idx="minor">
+              <a:schemeClr val="lt1"/>
+            </a:fontRef>
+          </p:style>
+          <p:txBody>
+            <a:bodyPr rtlCol="0" anchor="ctr"/>
+            <a:lstStyle/>
+            <a:p>
+              <a:pPr algn="ctr"/>
+              <a:endParaRPr lang="en-US"/>
+            </a:p>
+          </p:txBody>
+        </p:sp>
+        <p:sp>
+          <p:nvSpPr>
+            <p:cNvPr id="15" name="TextBox 14">
+              <a:extLst>
+                <a:ext uri="{FF2B5EF4-FFF2-40B4-BE49-F238E27FC236}">
+                  <a16:creationId xmlns:a16="http://schemas.microsoft.com/office/drawing/2014/main" id="{4A513169-C89A-0648-9165-EE532C6AAD41}"/>
+                </a:ext>
+              </a:extLst>
+            </p:cNvPr>
+            <p:cNvSpPr txBox="1"/>
+            <p:nvPr/>
+          </p:nvSpPr>
+          <p:spPr>
+            <a:xfrm>
+              <a:off x="3537872" y="1555531"/>
+              <a:ext cx="2715808" cy="1446550"/>
+            </a:xfrm>
+            <a:prstGeom prst="rect">
+              <a:avLst/>
+            </a:prstGeom>
+            <a:noFill/>
+            <a:ln w="12700">
+              <a:noFill/>
+            </a:ln>
+          </p:spPr>
+          <p:txBody>
+            <a:bodyPr wrap="square" lIns="45720" rIns="45720" rtlCol="0" anchor="ctr" anchorCtr="0">
+              <a:spAutoFit/>
+            </a:bodyPr>
+            <a:lstStyle/>
+            <a:p>
+              <a:r>
+                <a:rPr lang="en-US" sz="8800" b="1" dirty="0">
+                  <a:solidFill>
+                    <a:srgbClr val="313131"/>
+                  </a:solidFill>
+                  <a:latin typeface="Graphik Super" panose="020B0503030202060203" pitchFamily="34" charset="77"/>
+                  <a:ea typeface="Krungthep" panose="02000400000000000000" pitchFamily="2" charset="-34"/>
+                  <a:cs typeface="Krungthep" panose="02000400000000000000" pitchFamily="2" charset="-34"/>
+                </a:rPr>
+                <a:t>BDD</a:t>
+              </a:r>
+            </a:p>
+          </p:txBody>
+        </p:sp>
+        <p:sp>
+          <p:nvSpPr>
+            <p:cNvPr id="16" name="TextBox 15">
+              <a:extLst>
+                <a:ext uri="{FF2B5EF4-FFF2-40B4-BE49-F238E27FC236}">
+                  <a16:creationId xmlns:a16="http://schemas.microsoft.com/office/drawing/2014/main" id="{8642F1AB-002B-4F4D-B361-16032C991D29}"/>
+                </a:ext>
+              </a:extLst>
+            </p:cNvPr>
+            <p:cNvSpPr txBox="1"/>
+            <p:nvPr/>
+          </p:nvSpPr>
+          <p:spPr>
+            <a:xfrm>
+              <a:off x="4530131" y="2474984"/>
+              <a:ext cx="1723549" cy="523220"/>
+            </a:xfrm>
+            <a:prstGeom prst="rect">
+              <a:avLst/>
+            </a:prstGeom>
+            <a:noFill/>
+          </p:spPr>
+          <p:txBody>
+            <a:bodyPr wrap="none" rtlCol="0">
+              <a:spAutoFit/>
+            </a:bodyPr>
+            <a:lstStyle/>
+            <a:p>
+              <a:r>
+                <a:rPr lang="en-US" sz="2800" b="1" dirty="0">
+                  <a:ln w="12700">
+                    <a:solidFill>
+                      <a:srgbClr val="313131"/>
+                    </a:solidFill>
+                  </a:ln>
+                  <a:solidFill>
+                    <a:schemeClr val="bg1"/>
+                  </a:solidFill>
+                  <a:latin typeface="Graphik Super" panose="020B0503030202060203" pitchFamily="34" charset="77"/>
+                </a:rPr>
+                <a:t>FOR ALL</a:t>
+              </a:r>
+            </a:p>
+          </p:txBody>
+        </p:sp>
+        <p:sp>
+          <p:nvSpPr>
+            <p:cNvPr id="17" name="Right Arrow 16">
+              <a:extLst>
+                <a:ext uri="{FF2B5EF4-FFF2-40B4-BE49-F238E27FC236}">
+                  <a16:creationId xmlns:a16="http://schemas.microsoft.com/office/drawing/2014/main" id="{14558544-3813-DE47-8DBC-333F441B5915}"/>
+                </a:ext>
+              </a:extLst>
+            </p:cNvPr>
+            <p:cNvSpPr/>
+            <p:nvPr/>
+          </p:nvSpPr>
+          <p:spPr>
+            <a:xfrm>
+              <a:off x="3645684" y="2724237"/>
+              <a:ext cx="976184" cy="542726"/>
+            </a:xfrm>
+            <a:prstGeom prst="rightArrow">
+              <a:avLst/>
+            </a:prstGeom>
+            <a:solidFill>
+              <a:srgbClr val="313131"/>
+            </a:solidFill>
+            <a:ln w="19050">
+              <a:solidFill>
+                <a:schemeClr val="bg1"/>
+              </a:solidFill>
+            </a:ln>
+          </p:spPr>
+          <p:style>
+            <a:lnRef idx="2">
+              <a:schemeClr val="accent1">
+                <a:shade val="50000"/>
+              </a:schemeClr>
+            </a:lnRef>
+            <a:fillRef idx="1">
+              <a:schemeClr val="accent1"/>
+            </a:fillRef>
+            <a:effectRef idx="0">
+              <a:schemeClr val="accent1"/>
+            </a:effectRef>
+            <a:fontRef idx="minor">
+              <a:schemeClr val="lt1"/>
+            </a:fontRef>
+          </p:style>
+          <p:txBody>
+            <a:bodyPr rtlCol="0" anchor="ctr"/>
+            <a:lstStyle/>
+            <a:p>
+              <a:pPr algn="ctr"/>
+              <a:endParaRPr lang="en-US"/>
+            </a:p>
+          </p:txBody>
+        </p:sp>
+        <p:sp>
+          <p:nvSpPr>
+            <p:cNvPr id="18" name="TextBox 17">
+              <a:extLst>
+                <a:ext uri="{FF2B5EF4-FFF2-40B4-BE49-F238E27FC236}">
+                  <a16:creationId xmlns:a16="http://schemas.microsoft.com/office/drawing/2014/main" id="{79323F6F-21F5-854A-815E-DC3D11DD4535}"/>
+                </a:ext>
+              </a:extLst>
+            </p:cNvPr>
+            <p:cNvSpPr txBox="1"/>
+            <p:nvPr/>
+          </p:nvSpPr>
+          <p:spPr>
+            <a:xfrm>
+              <a:off x="4618469" y="2969650"/>
+              <a:ext cx="1750800" cy="369332"/>
+            </a:xfrm>
+            <a:prstGeom prst="rect">
+              <a:avLst/>
+            </a:prstGeom>
+            <a:noFill/>
+          </p:spPr>
+          <p:txBody>
+            <a:bodyPr wrap="none" rtlCol="0">
+              <a:spAutoFit/>
+            </a:bodyPr>
+            <a:lstStyle/>
+            <a:p>
+              <a:r>
+                <a:rPr lang="en-US" dirty="0">
+                  <a:solidFill>
+                    <a:schemeClr val="bg2"/>
+                  </a:solidFill>
+                  <a:latin typeface="American Typewriter" panose="02090604020004020304" pitchFamily="18" charset="77"/>
+                </a:rPr>
+                <a:t>Given I am a…</a:t>
+              </a:r>
+            </a:p>
+          </p:txBody>
+        </p:sp>
+      </p:grpSp>
+    </p:spTree>
+    <p:extLst>
+      <p:ext uri="{BB962C8B-B14F-4D97-AF65-F5344CB8AC3E}">
+        <p14:creationId xmlns:p14="http://schemas.microsoft.com/office/powerpoint/2010/main" val="343560368"/>
+      </p:ext>
+    </p:extLst>
+  </p:cSld>
+  <p:clrMapOvr>
+    <a:masterClrMapping/>
+  </p:clrMapOvr>
+</p:sld>
+</file>
+
 <file path=ppt/theme/theme1.xml><?xml version="1.0" encoding="utf-8"?>
 <a:theme xmlns:a="http://schemas.openxmlformats.org/drawingml/2006/main" name="Office Theme">
   <a:themeElements>
